--- a/Brouchers/onsite.pptx
+++ b/Brouchers/onsite.pptx
@@ -261,7 +261,7 @@
           <a:p>
             <a:fld id="{BA16502B-60EA-416E-9008-660AD02C2E7F}" type="datetimeFigureOut">
               <a:rPr lang="en-ZA" smtClean="0"/>
-              <a:t>2023/10/20</a:t>
+              <a:t>2023/10/22</a:t>
             </a:fld>
             <a:endParaRPr lang="en-ZA"/>
           </a:p>
@@ -461,7 +461,7 @@
           <a:p>
             <a:fld id="{BA16502B-60EA-416E-9008-660AD02C2E7F}" type="datetimeFigureOut">
               <a:rPr lang="en-ZA" smtClean="0"/>
-              <a:t>2023/10/20</a:t>
+              <a:t>2023/10/22</a:t>
             </a:fld>
             <a:endParaRPr lang="en-ZA"/>
           </a:p>
@@ -671,7 +671,7 @@
           <a:p>
             <a:fld id="{BA16502B-60EA-416E-9008-660AD02C2E7F}" type="datetimeFigureOut">
               <a:rPr lang="en-ZA" smtClean="0"/>
-              <a:t>2023/10/20</a:t>
+              <a:t>2023/10/22</a:t>
             </a:fld>
             <a:endParaRPr lang="en-ZA"/>
           </a:p>
@@ -871,7 +871,7 @@
           <a:p>
             <a:fld id="{BA16502B-60EA-416E-9008-660AD02C2E7F}" type="datetimeFigureOut">
               <a:rPr lang="en-ZA" smtClean="0"/>
-              <a:t>2023/10/20</a:t>
+              <a:t>2023/10/22</a:t>
             </a:fld>
             <a:endParaRPr lang="en-ZA"/>
           </a:p>
@@ -1147,7 +1147,7 @@
           <a:p>
             <a:fld id="{BA16502B-60EA-416E-9008-660AD02C2E7F}" type="datetimeFigureOut">
               <a:rPr lang="en-ZA" smtClean="0"/>
-              <a:t>2023/10/20</a:t>
+              <a:t>2023/10/22</a:t>
             </a:fld>
             <a:endParaRPr lang="en-ZA"/>
           </a:p>
@@ -1415,7 +1415,7 @@
           <a:p>
             <a:fld id="{BA16502B-60EA-416E-9008-660AD02C2E7F}" type="datetimeFigureOut">
               <a:rPr lang="en-ZA" smtClean="0"/>
-              <a:t>2023/10/20</a:t>
+              <a:t>2023/10/22</a:t>
             </a:fld>
             <a:endParaRPr lang="en-ZA"/>
           </a:p>
@@ -1830,7 +1830,7 @@
           <a:p>
             <a:fld id="{BA16502B-60EA-416E-9008-660AD02C2E7F}" type="datetimeFigureOut">
               <a:rPr lang="en-ZA" smtClean="0"/>
-              <a:t>2023/10/20</a:t>
+              <a:t>2023/10/22</a:t>
             </a:fld>
             <a:endParaRPr lang="en-ZA"/>
           </a:p>
@@ -1972,7 +1972,7 @@
           <a:p>
             <a:fld id="{BA16502B-60EA-416E-9008-660AD02C2E7F}" type="datetimeFigureOut">
               <a:rPr lang="en-ZA" smtClean="0"/>
-              <a:t>2023/10/20</a:t>
+              <a:t>2023/10/22</a:t>
             </a:fld>
             <a:endParaRPr lang="en-ZA"/>
           </a:p>
@@ -2085,7 +2085,7 @@
           <a:p>
             <a:fld id="{BA16502B-60EA-416E-9008-660AD02C2E7F}" type="datetimeFigureOut">
               <a:rPr lang="en-ZA" smtClean="0"/>
-              <a:t>2023/10/20</a:t>
+              <a:t>2023/10/22</a:t>
             </a:fld>
             <a:endParaRPr lang="en-ZA"/>
           </a:p>
@@ -2398,7 +2398,7 @@
           <a:p>
             <a:fld id="{BA16502B-60EA-416E-9008-660AD02C2E7F}" type="datetimeFigureOut">
               <a:rPr lang="en-ZA" smtClean="0"/>
-              <a:t>2023/10/20</a:t>
+              <a:t>2023/10/22</a:t>
             </a:fld>
             <a:endParaRPr lang="en-ZA"/>
           </a:p>
@@ -2687,7 +2687,7 @@
           <a:p>
             <a:fld id="{BA16502B-60EA-416E-9008-660AD02C2E7F}" type="datetimeFigureOut">
               <a:rPr lang="en-ZA" smtClean="0"/>
-              <a:t>2023/10/20</a:t>
+              <a:t>2023/10/22</a:t>
             </a:fld>
             <a:endParaRPr lang="en-ZA"/>
           </a:p>
@@ -2930,7 +2930,7 @@
           <a:p>
             <a:fld id="{BA16502B-60EA-416E-9008-660AD02C2E7F}" type="datetimeFigureOut">
               <a:rPr lang="en-ZA" smtClean="0"/>
-              <a:t>2023/10/20</a:t>
+              <a:t>2023/10/22</a:t>
             </a:fld>
             <a:endParaRPr lang="en-ZA"/>
           </a:p>
@@ -3374,9 +3374,9 @@
           </a:stretch>
         </p:blipFill>
         <p:spPr>
-          <a:xfrm>
-            <a:off x="228328" y="267730"/>
-            <a:ext cx="11807371" cy="6858000"/>
+          <a:xfrm rot="16200000">
+            <a:off x="4136419" y="355054"/>
+            <a:ext cx="4671727" cy="6858000"/>
           </a:xfrm>
           <a:prstGeom prst="rect">
             <a:avLst/>
@@ -3411,17 +3411,21 @@
         </p:blipFill>
         <p:spPr>
           <a:xfrm>
-            <a:off x="12102" y="126180"/>
-            <a:ext cx="6150248" cy="2780039"/>
+            <a:off x="0" y="193882"/>
+            <a:ext cx="5139421" cy="2521501"/>
           </a:xfrm>
           <a:prstGeom prst="rect">
             <a:avLst/>
           </a:prstGeom>
           <a:ln>
-            <a:noFill/>
+            <a:solidFill>
+              <a:schemeClr val="bg2">
+                <a:lumMod val="25000"/>
+              </a:schemeClr>
+            </a:solidFill>
           </a:ln>
           <a:effectLst>
-            <a:softEdge rad="112500"/>
+            <a:softEdge rad="317500"/>
           </a:effectLst>
         </p:spPr>
       </p:pic>
@@ -3440,7 +3444,7 @@
         <p:spPr>
           <a:xfrm>
             <a:off x="9646104" y="305263"/>
-            <a:ext cx="3185886" cy="2062103"/>
+            <a:ext cx="3185886" cy="1661993"/>
           </a:xfrm>
           <a:prstGeom prst="rect">
             <a:avLst/>
@@ -3454,7 +3458,7 @@
           <a:lstStyle/>
           <a:p>
             <a:r>
-              <a:rPr lang="en-ZA" sz="2000" b="1" i="0" dirty="0">
+              <a:rPr lang="en-ZA" sz="1200" b="1" i="0" dirty="0">
                 <a:effectLst/>
                 <a:latin typeface="-apple-system"/>
                 <a:hlinkClick r:id="rId4">
@@ -3470,7 +3474,7 @@
           </a:p>
           <a:p>
             <a:r>
-              <a:rPr lang="en-ZA" b="0" i="0" dirty="0">
+              <a:rPr lang="en-ZA" sz="1200" b="0" i="0" dirty="0">
                 <a:solidFill>
                   <a:srgbClr val="0563C1"/>
                 </a:solidFill>
@@ -3486,7 +3490,7 @@
               </a:rPr>
               <a:t>lebogang@lebili.co.za</a:t>
             </a:r>
-            <a:endParaRPr lang="en-ZA" b="0" i="0" dirty="0">
+            <a:endParaRPr lang="en-ZA" sz="1200" b="0" i="0" dirty="0">
               <a:solidFill>
                 <a:srgbClr val="212529"/>
               </a:solidFill>
@@ -3496,7 +3500,7 @@
           </a:p>
           <a:p>
             <a:r>
-              <a:rPr lang="en-ZA" b="0" i="0" dirty="0">
+              <a:rPr lang="en-ZA" sz="1200" b="0" i="0" dirty="0">
                 <a:solidFill>
                   <a:srgbClr val="212529"/>
                 </a:solidFill>
@@ -3506,7 +3510,7 @@
               <a:t>+27 79 948 3076</a:t>
             </a:r>
             <a:r>
-              <a:rPr lang="en-ZA" dirty="0">
+              <a:rPr lang="en-ZA" sz="1200" dirty="0">
                 <a:solidFill>
                   <a:srgbClr val="212529"/>
                 </a:solidFill>
@@ -3517,7 +3521,7 @@
           </a:p>
           <a:p>
             <a:r>
-              <a:rPr lang="en-ZA" dirty="0">
+              <a:rPr lang="en-ZA" sz="1200" dirty="0">
                 <a:solidFill>
                   <a:srgbClr val="212529"/>
                 </a:solidFill>
@@ -3526,7 +3530,7 @@
               </a:rPr>
               <a:t>www.lebili.com</a:t>
             </a:r>
-            <a:endParaRPr lang="en-ZA" dirty="0">
+            <a:endParaRPr lang="en-ZA" sz="1200" dirty="0">
               <a:solidFill>
                 <a:srgbClr val="212529"/>
               </a:solidFill>
@@ -3669,8 +3673,8 @@
         </p:nvSpPr>
         <p:spPr>
           <a:xfrm>
-            <a:off x="228328" y="3270729"/>
-            <a:ext cx="8588648" cy="3046988"/>
+            <a:off x="400226" y="3531151"/>
+            <a:ext cx="8588648" cy="2893100"/>
           </a:xfrm>
           <a:prstGeom prst="rect">
             <a:avLst/>
@@ -3684,7 +3688,7 @@
           <a:lstStyle/>
           <a:p>
             <a:r>
-              <a:rPr lang="en-US" sz="1600" b="0" i="0" dirty="0">
+              <a:rPr lang="en-US" sz="1400" b="0" i="0" dirty="0">
                 <a:effectLst/>
                 <a:latin typeface="Arial Rounded MT Bold" panose="020F0704030504030204" pitchFamily="34" charset="0"/>
               </a:rPr>
@@ -3693,7 +3697,7 @@
           </a:p>
           <a:p>
             <a:r>
-              <a:rPr lang="en-US" sz="1600" b="0" i="0" dirty="0">
+              <a:rPr lang="en-US" sz="1400" b="0" i="0" dirty="0">
                 <a:effectLst/>
                 <a:latin typeface="Arial Rounded MT Bold" panose="020F0704030504030204" pitchFamily="34" charset="0"/>
               </a:rPr>
@@ -3702,7 +3706,7 @@
           </a:p>
           <a:p>
             <a:r>
-              <a:rPr lang="en-US" sz="1600" b="0" i="0" dirty="0">
+              <a:rPr lang="en-US" sz="1400" b="0" i="0" dirty="0">
                 <a:effectLst/>
                 <a:latin typeface="Arial Rounded MT Bold" panose="020F0704030504030204" pitchFamily="34" charset="0"/>
               </a:rPr>
@@ -3711,7 +3715,7 @@
           </a:p>
           <a:p>
             <a:r>
-              <a:rPr lang="en-US" sz="1600" b="0" i="0" dirty="0">
+              <a:rPr lang="en-US" sz="1400" b="0" i="0" dirty="0">
                 <a:effectLst/>
                 <a:latin typeface="Arial Rounded MT Bold" panose="020F0704030504030204" pitchFamily="34" charset="0"/>
               </a:rPr>
@@ -3720,20 +3724,20 @@
           </a:p>
           <a:p>
             <a:r>
-              <a:rPr lang="en-US" sz="1600" b="0" i="0" dirty="0">
+              <a:rPr lang="en-US" sz="1400" b="0" i="0" dirty="0">
                 <a:effectLst/>
                 <a:latin typeface="Arial Rounded MT Bold" panose="020F0704030504030204" pitchFamily="34" charset="0"/>
               </a:rPr>
               <a:t> right at your mining site.</a:t>
             </a:r>
-            <a:endParaRPr lang="en-US" sz="1600" dirty="0">
+            <a:endParaRPr lang="en-US" sz="1400" dirty="0">
               <a:latin typeface="Arial Rounded MT Bold" panose="020F0704030504030204" pitchFamily="34" charset="0"/>
               <a:ea typeface="ADLaM Display" panose="020F0502020204030204" pitchFamily="2" charset="0"/>
               <a:cs typeface="ADLaM Display" panose="020F0502020204030204" pitchFamily="2" charset="0"/>
             </a:endParaRPr>
           </a:p>
           <a:p>
-            <a:endParaRPr lang="en-US" sz="1600" dirty="0">
+            <a:endParaRPr lang="en-US" sz="1400" dirty="0">
               <a:latin typeface="Arial Rounded MT Bold" panose="020F0704030504030204" pitchFamily="34" charset="0"/>
               <a:ea typeface="ADLaM Display" panose="020F0502020204030204" pitchFamily="2" charset="0"/>
               <a:cs typeface="ADLaM Display" panose="020F0502020204030204" pitchFamily="2" charset="0"/>
@@ -3741,7 +3745,7 @@
           </a:p>
           <a:p>
             <a:r>
-              <a:rPr lang="en-US" sz="1600" b="1" i="0" dirty="0">
+              <a:rPr lang="en-US" sz="1400" b="1" i="0" u="sng" dirty="0">
                 <a:effectLst/>
                 <a:latin typeface="Arial Rounded MT Bold" panose="020F0704030504030204" pitchFamily="34" charset="0"/>
                 <a:ea typeface="ADLaM Display" panose="020F0502020204030204" pitchFamily="2" charset="0"/>
@@ -3751,12 +3755,20 @@
             </a:r>
           </a:p>
           <a:p>
+            <a:endParaRPr lang="en-US" sz="1400" b="1" i="0" u="sng" dirty="0">
+              <a:effectLst/>
+              <a:latin typeface="Arial Rounded MT Bold" panose="020F0704030504030204" pitchFamily="34" charset="0"/>
+              <a:ea typeface="ADLaM Display" panose="020F0502020204030204" pitchFamily="2" charset="0"/>
+              <a:cs typeface="ADLaM Display" panose="020F0502020204030204" pitchFamily="2" charset="0"/>
+            </a:endParaRPr>
+          </a:p>
+          <a:p>
             <a:pPr marL="285750" indent="-285750">
               <a:buFont typeface="Wingdings" panose="05000000000000000000" pitchFamily="2" charset="2"/>
               <a:buChar char="q"/>
             </a:pPr>
             <a:r>
-              <a:rPr lang="en-US" sz="1600" dirty="0">
+              <a:rPr lang="en-US" sz="1400" dirty="0">
                 <a:latin typeface="Arial Rounded MT Bold" panose="020F0704030504030204" pitchFamily="34" charset="0"/>
                 <a:ea typeface="ADLaM Display" panose="020F0502020204030204" pitchFamily="2" charset="0"/>
                 <a:cs typeface="ADLaM Display" panose="020F0502020204030204" pitchFamily="2" charset="0"/>
@@ -3770,7 +3782,7 @@
               <a:buChar char="q"/>
             </a:pPr>
             <a:r>
-              <a:rPr lang="en-US" sz="1600" dirty="0">
+              <a:rPr lang="en-US" sz="1400" dirty="0">
                 <a:latin typeface="Arial Rounded MT Bold" panose="020F0704030504030204" pitchFamily="34" charset="0"/>
                 <a:ea typeface="ADLaM Display" panose="020F0502020204030204" pitchFamily="2" charset="0"/>
                 <a:cs typeface="ADLaM Display" panose="020F0502020204030204" pitchFamily="2" charset="0"/>
@@ -3784,7 +3796,7 @@
               <a:buChar char="q"/>
             </a:pPr>
             <a:r>
-              <a:rPr lang="en-US" sz="1600" dirty="0">
+              <a:rPr lang="en-US" sz="1400" dirty="0">
                 <a:latin typeface="Arial Rounded MT Bold" panose="020F0704030504030204" pitchFamily="34" charset="0"/>
                 <a:ea typeface="ADLaM Display" panose="020F0502020204030204" pitchFamily="2" charset="0"/>
                 <a:cs typeface="ADLaM Display" panose="020F0502020204030204" pitchFamily="2" charset="0"/>
@@ -3798,7 +3810,7 @@
               <a:buChar char="q"/>
             </a:pPr>
             <a:r>
-              <a:rPr lang="en-US" sz="1600" dirty="0">
+              <a:rPr lang="en-US" sz="1400" dirty="0">
                 <a:latin typeface="Arial Rounded MT Bold" panose="020F0704030504030204" pitchFamily="34" charset="0"/>
                 <a:ea typeface="ADLaM Display" panose="020F0502020204030204" pitchFamily="2" charset="0"/>
                 <a:cs typeface="ADLaM Display" panose="020F0502020204030204" pitchFamily="2" charset="0"/>
@@ -3811,7 +3823,7 @@
               <a:buFont typeface="Wingdings" panose="05000000000000000000" pitchFamily="2" charset="2"/>
               <a:buChar char="q"/>
             </a:pPr>
-            <a:endParaRPr lang="en-US" sz="1600" b="1" i="0" dirty="0">
+            <a:endParaRPr lang="en-US" sz="1400" b="1" i="0" dirty="0">
               <a:effectLst/>
               <a:latin typeface="Arial Rounded MT Bold" panose="020F0704030504030204" pitchFamily="34" charset="0"/>
               <a:ea typeface="ADLaM Display" panose="020F0502020204030204" pitchFamily="2" charset="0"/>
@@ -3869,7 +3881,7 @@
         </p:nvSpPr>
         <p:spPr>
           <a:xfrm>
-            <a:off x="3854742" y="2349379"/>
+            <a:off x="3759284" y="2717044"/>
             <a:ext cx="5047668" cy="769441"/>
           </a:xfrm>
           <a:prstGeom prst="rect">
